--- a/week05/Lab05.pptx
+++ b/week05/Lab05.pptx
@@ -254,7 +254,7 @@
           <a:p>
             <a:fld id="{D1237EF7-A117-46B7-88A8-1B7FB98FF0F2}" type="datetimeFigureOut">
               <a:rPr lang="zh-CN" altLang="en-US" smtClean="0"/>
-              <a:t>2025/3/19</a:t>
+              <a:t>2025/5/1</a:t>
             </a:fld>
             <a:endParaRPr lang="zh-CN" altLang="en-US"/>
           </a:p>
@@ -1119,7 +1119,7 @@
           <a:p>
             <a:fld id="{FC19A4FA-3D9A-4114-B0D5-759CBD56F1AB}" type="datetimeFigureOut">
               <a:rPr lang="zh-CN" altLang="en-US" smtClean="0"/>
-              <a:t>2025/3/19</a:t>
+              <a:t>2025/5/1</a:t>
             </a:fld>
             <a:endParaRPr lang="zh-CN" altLang="en-US"/>
           </a:p>
@@ -1313,7 +1313,7 @@
           <a:p>
             <a:fld id="{FC19A4FA-3D9A-4114-B0D5-759CBD56F1AB}" type="datetimeFigureOut">
               <a:rPr lang="zh-CN" altLang="en-US" smtClean="0"/>
-              <a:t>2025/3/19</a:t>
+              <a:t>2025/5/1</a:t>
             </a:fld>
             <a:endParaRPr lang="zh-CN" altLang="en-US"/>
           </a:p>
@@ -1486,7 +1486,7 @@
           <a:p>
             <a:fld id="{FC19A4FA-3D9A-4114-B0D5-759CBD56F1AB}" type="datetimeFigureOut">
               <a:rPr lang="zh-CN" altLang="en-US" smtClean="0"/>
-              <a:t>2025/3/19</a:t>
+              <a:t>2025/5/1</a:t>
             </a:fld>
             <a:endParaRPr lang="zh-CN" altLang="en-US"/>
           </a:p>
@@ -1670,7 +1670,7 @@
           <a:p>
             <a:fld id="{FC19A4FA-3D9A-4114-B0D5-759CBD56F1AB}" type="datetimeFigureOut">
               <a:rPr lang="zh-CN" altLang="en-US" smtClean="0"/>
-              <a:t>2025/3/19</a:t>
+              <a:t>2025/5/1</a:t>
             </a:fld>
             <a:endParaRPr lang="zh-CN" altLang="en-US"/>
           </a:p>
@@ -1927,7 +1927,7 @@
           <a:p>
             <a:fld id="{FC19A4FA-3D9A-4114-B0D5-759CBD56F1AB}" type="datetimeFigureOut">
               <a:rPr lang="zh-CN" altLang="en-US" smtClean="0"/>
-              <a:t>2025/3/19</a:t>
+              <a:t>2025/5/1</a:t>
             </a:fld>
             <a:endParaRPr lang="zh-CN" altLang="en-US"/>
           </a:p>
@@ -2314,7 +2314,7 @@
           <a:p>
             <a:fld id="{FC19A4FA-3D9A-4114-B0D5-759CBD56F1AB}" type="datetimeFigureOut">
               <a:rPr lang="zh-CN" altLang="en-US" smtClean="0"/>
-              <a:t>2025/3/19</a:t>
+              <a:t>2025/5/1</a:t>
             </a:fld>
             <a:endParaRPr lang="zh-CN" altLang="en-US"/>
           </a:p>
@@ -2582,7 +2582,7 @@
           <a:p>
             <a:fld id="{FC19A4FA-3D9A-4114-B0D5-759CBD56F1AB}" type="datetimeFigureOut">
               <a:rPr lang="zh-CN" altLang="en-US" smtClean="0"/>
-              <a:t>2025/3/19</a:t>
+              <a:t>2025/5/1</a:t>
             </a:fld>
             <a:endParaRPr lang="zh-CN" altLang="en-US"/>
           </a:p>
@@ -2722,7 +2722,7 @@
           <a:p>
             <a:fld id="{FC19A4FA-3D9A-4114-B0D5-759CBD56F1AB}" type="datetimeFigureOut">
               <a:rPr lang="zh-CN" altLang="en-US" smtClean="0"/>
-              <a:t>2025/3/19</a:t>
+              <a:t>2025/5/1</a:t>
             </a:fld>
             <a:endParaRPr lang="zh-CN" altLang="en-US"/>
           </a:p>
@@ -2812,7 +2812,7 @@
           <a:p>
             <a:fld id="{FC19A4FA-3D9A-4114-B0D5-759CBD56F1AB}" type="datetimeFigureOut">
               <a:rPr lang="zh-CN" altLang="en-US" smtClean="0"/>
-              <a:t>2025/3/19</a:t>
+              <a:t>2025/5/1</a:t>
             </a:fld>
             <a:endParaRPr lang="zh-CN" altLang="en-US"/>
           </a:p>
@@ -3082,7 +3082,7 @@
           <a:p>
             <a:fld id="{FC19A4FA-3D9A-4114-B0D5-759CBD56F1AB}" type="datetimeFigureOut">
               <a:rPr lang="zh-CN" altLang="en-US" smtClean="0"/>
-              <a:t>2025/3/19</a:t>
+              <a:t>2025/5/1</a:t>
             </a:fld>
             <a:endParaRPr lang="zh-CN" altLang="en-US"/>
           </a:p>
@@ -3329,7 +3329,7 @@
           <a:p>
             <a:fld id="{FC19A4FA-3D9A-4114-B0D5-759CBD56F1AB}" type="datetimeFigureOut">
               <a:rPr lang="zh-CN" altLang="en-US" smtClean="0"/>
-              <a:t>2025/3/19</a:t>
+              <a:t>2025/5/1</a:t>
             </a:fld>
             <a:endParaRPr lang="zh-CN" altLang="en-US"/>
           </a:p>
@@ -3535,7 +3535,7 @@
           <a:p>
             <a:fld id="{FC19A4FA-3D9A-4114-B0D5-759CBD56F1AB}" type="datetimeFigureOut">
               <a:rPr lang="zh-CN" altLang="en-US" smtClean="0"/>
-              <a:t>2025/3/19</a:t>
+              <a:t>2025/5/1</a:t>
             </a:fld>
             <a:endParaRPr lang="zh-CN" altLang="en-US"/>
           </a:p>
@@ -14972,34 +14972,34 @@
           <a:lstStyle/>
           <a:p>
             <a:r>
-              <a:rPr lang="en-US" altLang="zh-CN"/>
+              <a:rPr lang="en-US" altLang="zh-CN" dirty="0"/>
               <a:t>Precautions for pointer </a:t>
             </a:r>
           </a:p>
           <a:p>
             <a:pPr lvl="1"/>
             <a:r>
-              <a:rPr lang="en-US"/>
+              <a:rPr lang="en-US" dirty="0"/>
               <a:t>DON’TS </a:t>
             </a:r>
-            <a:endParaRPr lang="zh-CN" altLang="en-US"/>
+            <a:endParaRPr lang="zh-CN" altLang="en-US" dirty="0"/>
           </a:p>
           <a:p>
             <a:pPr lvl="1"/>
             <a:r>
-              <a:rPr lang="en-US" altLang="zh-CN">
+              <a:rPr lang="en-US" altLang="zh-CN" dirty="0">
                 <a:sym typeface="+mn-ea"/>
               </a:rPr>
               <a:t>Suggestion </a:t>
             </a:r>
-            <a:endParaRPr lang="zh-CN" altLang="en-US">
+            <a:endParaRPr lang="zh-CN" altLang="en-US" dirty="0">
               <a:sym typeface="+mn-ea"/>
             </a:endParaRPr>
           </a:p>
           <a:p>
             <a:pPr lvl="2"/>
             <a:r>
-              <a:rPr lang="en-US" altLang="zh-CN">
+              <a:rPr lang="en-US" altLang="zh-CN" dirty="0">
                 <a:sym typeface="+mn-ea"/>
               </a:rPr>
               <a:t>Coding specification</a:t>
@@ -15008,33 +15008,39 @@
           <a:p>
             <a:pPr lvl="2"/>
             <a:r>
-              <a:rPr lang="en-US" altLang="zh-CN" sz="2000">
+              <a:rPr lang="en-US" altLang="zh-CN" sz="2000" dirty="0">
                 <a:sym typeface="+mn-ea"/>
               </a:rPr>
               <a:t>Tool:  </a:t>
             </a:r>
             <a:r>
-              <a:rPr lang="en-US" altLang="zh-CN">
+              <a:rPr lang="en-US" altLang="zh-CN" dirty="0" err="1">
                 <a:sym typeface="+mn-ea"/>
               </a:rPr>
-              <a:t>valgrind </a:t>
+              <a:t>valgrind</a:t>
+            </a:r>
+            <a:r>
+              <a:rPr lang="en-US" altLang="zh-CN" dirty="0">
+                <a:sym typeface="+mn-ea"/>
+              </a:rPr>
+              <a:t> </a:t>
             </a:r>
           </a:p>
           <a:p>
             <a:pPr lvl="2"/>
-            <a:endParaRPr lang="zh-CN" altLang="en-US"/>
-          </a:p>
-          <a:p>
-            <a:r>
-              <a:rPr lang="en-US" altLang="zh-CN"/>
+            <a:endParaRPr lang="zh-CN" altLang="en-US" dirty="0"/>
+          </a:p>
+          <a:p>
+            <a:r>
+              <a:rPr lang="en-US" altLang="zh-CN" dirty="0"/>
               <a:t>Memory Management(1)</a:t>
             </a:r>
-            <a:endParaRPr lang="zh-CN" altLang="en-US"/>
+            <a:endParaRPr lang="zh-CN" altLang="en-US" dirty="0"/>
           </a:p>
           <a:p>
             <a:pPr lvl="1"/>
             <a:r>
-              <a:rPr lang="en-US" altLang="zh-CN">
+              <a:rPr lang="en-US" altLang="zh-CN" dirty="0">
                 <a:sym typeface="+mn-ea"/>
               </a:rPr>
               <a:t>Stack vs Heap</a:t>
@@ -15043,64 +15049,74 @@
           <a:p>
             <a:pPr lvl="2"/>
             <a:r>
-              <a:rPr lang="en-US" altLang="zh-CN" sz="2000">
+              <a:rPr lang="en-US" altLang="zh-CN" sz="2000" dirty="0" err="1">
                 <a:sym typeface="+mn-ea"/>
               </a:rPr>
-              <a:t>compiler+system vs </a:t>
-            </a:r>
-            <a:r>
-              <a:rPr lang="en-US" altLang="zh-CN">
+              <a:t>compiler+system</a:t>
+            </a:r>
+            <a:r>
+              <a:rPr lang="en-US" altLang="zh-CN" sz="2000" dirty="0">
                 <a:sym typeface="+mn-ea"/>
               </a:rPr>
+              <a:t> vs </a:t>
+            </a:r>
+            <a:r>
+              <a:rPr lang="en-US" altLang="zh-CN" dirty="0">
+                <a:sym typeface="+mn-ea"/>
+              </a:rPr>
               <a:t>programmer </a:t>
             </a:r>
-            <a:endParaRPr lang="zh-CN" altLang="en-US">
+            <a:endParaRPr lang="zh-CN" altLang="en-US" dirty="0">
               <a:sym typeface="+mn-ea"/>
             </a:endParaRPr>
           </a:p>
           <a:p>
             <a:pPr lvl="1"/>
             <a:r>
-              <a:rPr lang="en-US" altLang="zh-CN"/>
+              <a:rPr lang="en-US" altLang="zh-CN" dirty="0"/>
               <a:t>C/C++  vs Python</a:t>
             </a:r>
           </a:p>
           <a:p>
             <a:pPr lvl="2"/>
             <a:r>
-              <a:rPr lang="en-US" altLang="zh-CN"/>
+              <a:rPr lang="en-US" altLang="zh-CN" dirty="0"/>
               <a:t>compiler vs interpreter</a:t>
             </a:r>
           </a:p>
           <a:p>
             <a:pPr lvl="2"/>
             <a:r>
-              <a:rPr lang="en-US" altLang="zh-CN">
+              <a:rPr lang="en-US" altLang="zh-CN" dirty="0" err="1">
                 <a:sym typeface="+mn-ea"/>
               </a:rPr>
               <a:t>compiler+system+programmer</a:t>
             </a:r>
             <a:r>
-              <a:rPr lang="en-US" altLang="zh-CN"/>
-              <a:t> vs interpreter+programmer</a:t>
-            </a:r>
-            <a:endParaRPr lang="zh-CN" altLang="en-US"/>
+              <a:rPr lang="en-US" altLang="zh-CN" dirty="0"/>
+              <a:t> vs </a:t>
+            </a:r>
+            <a:r>
+              <a:rPr lang="en-US" altLang="zh-CN" dirty="0" err="1"/>
+              <a:t>interpreter+programmer</a:t>
+            </a:r>
+            <a:endParaRPr lang="zh-CN" altLang="en-US" dirty="0"/>
           </a:p>
           <a:p>
             <a:pPr marL="457200" lvl="1" indent="0">
               <a:buNone/>
             </a:pPr>
-            <a:endParaRPr lang="en-US" altLang="zh-CN">
+            <a:endParaRPr lang="en-US" altLang="zh-CN" dirty="0">
               <a:highlight>
                 <a:srgbClr val="FFFF00"/>
               </a:highlight>
             </a:endParaRPr>
           </a:p>
           <a:p>
-            <a:endParaRPr lang="en-US" altLang="zh-CN"/>
-          </a:p>
-          <a:p>
-            <a:endParaRPr lang="zh-CN" altLang="en-US"/>
+            <a:endParaRPr lang="en-US" altLang="zh-CN" dirty="0"/>
+          </a:p>
+          <a:p>
+            <a:endParaRPr lang="zh-CN" altLang="en-US" dirty="0"/>
           </a:p>
         </p:txBody>
       </p:sp>
@@ -15145,7 +15161,7 @@
           <a:lstStyle/>
           <a:p>
             <a:r>
-              <a:rPr lang="en-US" altLang="zh-CN"/>
+              <a:rPr lang="en-US" altLang="zh-CN" dirty="0"/>
               <a:t>Precautions for Pointer </a:t>
             </a:r>
           </a:p>
@@ -15169,64 +15185,72 @@
           <a:lstStyle/>
           <a:p>
             <a:r>
-              <a:rPr lang="en-US" altLang="zh-CN"/>
+              <a:rPr lang="en-US" altLang="zh-CN" dirty="0"/>
               <a:t>DON’TS</a:t>
             </a:r>
           </a:p>
           <a:p>
             <a:pPr lvl="1"/>
             <a:r>
-              <a:rPr lang="en-US" altLang="zh-CN"/>
-              <a:t>1. whild pointer</a:t>
-            </a:r>
-            <a:endParaRPr lang="zh-CN" altLang="en-US"/>
+              <a:rPr lang="en-US" altLang="zh-CN" dirty="0"/>
+              <a:t>1. </a:t>
+            </a:r>
+            <a:r>
+              <a:rPr lang="en-US" altLang="zh-CN" dirty="0" err="1"/>
+              <a:t>whild</a:t>
+            </a:r>
+            <a:r>
+              <a:rPr lang="en-US" altLang="zh-CN" dirty="0"/>
+              <a:t> pointer</a:t>
+            </a:r>
+            <a:endParaRPr lang="zh-CN" altLang="en-US" dirty="0"/>
           </a:p>
           <a:p>
             <a:pPr lvl="1"/>
             <a:r>
-              <a:rPr lang="en-US" altLang="zh-CN"/>
+              <a:rPr lang="en-US" altLang="zh-CN" dirty="0"/>
               <a:t>2. memory leak </a:t>
             </a:r>
-            <a:endParaRPr lang="zh-CN" altLang="en-US"/>
+            <a:endParaRPr lang="zh-CN" altLang="en-US" dirty="0"/>
           </a:p>
           <a:p>
             <a:pPr lvl="1"/>
             <a:r>
-              <a:rPr lang="en-US" altLang="zh-CN"/>
+              <a:rPr lang="en-US" altLang="zh-CN" dirty="0"/>
               <a:t>3. free less or free more</a:t>
             </a:r>
           </a:p>
           <a:p>
             <a:pPr lvl="1"/>
             <a:r>
-              <a:rPr lang="en-US" altLang="zh-CN"/>
+              <a:rPr lang="en-US" altLang="zh-CN" dirty="0"/>
               <a:t>4. free stack</a:t>
             </a:r>
           </a:p>
           <a:p>
             <a:pPr lvl="1"/>
             <a:r>
-              <a:rPr lang="en-US" altLang="zh-CN"/>
+              <a:rPr lang="en-US" altLang="zh-CN" dirty="0"/>
               <a:t>5. dangling pointer</a:t>
             </a:r>
           </a:p>
           <a:p>
             <a:pPr lvl="1"/>
-            <a:endParaRPr lang="zh-CN" altLang="en-US"/>
-          </a:p>
-          <a:p>
-            <a:r>
-              <a:rPr lang="en-US" altLang="zh-CN">
+            <a:endParaRPr lang="zh-CN" altLang="en-US" dirty="0"/>
+          </a:p>
+          <a:p>
+            <a:r>
+              <a:rPr lang="en-US" altLang="zh-CN" dirty="0">
                 <a:sym typeface="+mn-ea"/>
               </a:rPr>
               <a:t>Suggestion </a:t>
             </a:r>
-            <a:endParaRPr lang="zh-CN" altLang="en-US"/>
+            <a:endParaRPr lang="zh-CN" altLang="en-US" dirty="0"/>
           </a:p>
           <a:p>
             <a:pPr lvl="1"/>
             <a:r>
-              <a:rPr lang="en-US" altLang="zh-CN">
+              <a:rPr lang="en-US" altLang="zh-CN" dirty="0">
                 <a:sym typeface="+mn-ea"/>
               </a:rPr>
               <a:t>Coding specification</a:t>
@@ -15235,12 +15259,12 @@
           <a:p>
             <a:pPr lvl="1"/>
             <a:r>
-              <a:rPr lang="en-US" altLang="zh-CN">
+              <a:rPr lang="en-US" altLang="zh-CN" dirty="0">
                 <a:sym typeface="+mn-ea"/>
               </a:rPr>
               <a:t>Tools</a:t>
             </a:r>
-            <a:endParaRPr lang="zh-CN" altLang="en-US"/>
+            <a:endParaRPr lang="zh-CN" altLang="en-US" dirty="0"/>
           </a:p>
         </p:txBody>
       </p:sp>
@@ -15685,7 +15709,7 @@
                 <a:latin typeface="Consolas" panose="020B0609020204030204"/>
                 <a:ea typeface="Consolas" panose="020B0609020204030204"/>
               </a:rPr>
-              <a:t>    return0;</a:t>
+              <a:t>    return 0;</a:t>
             </a:r>
           </a:p>
           <a:p>
@@ -16079,7 +16103,7 @@
                 <a:latin typeface="Consolas" panose="020B0609020204030204"/>
                 <a:ea typeface="Consolas" panose="020B0609020204030204"/>
               </a:rPr>
-              <a:t>    return0;</a:t>
+              <a:t>    return 0;</a:t>
             </a:r>
           </a:p>
           <a:p>
@@ -16261,27 +16285,7 @@
                 <a:latin typeface="Consolas" panose="020B0609020204030204"/>
                 <a:ea typeface="Consolas" panose="020B0609020204030204"/>
               </a:rPr>
-              <a:t>#include&lt;</a:t>
-            </a:r>
-            <a:r>
-              <a:rPr lang="en-US" altLang="zh-CN" sz="1400" b="0" dirty="0" err="1">
-                <a:solidFill>
-                  <a:schemeClr val="tx1"/>
-                </a:solidFill>
-                <a:latin typeface="Consolas" panose="020B0609020204030204"/>
-                <a:ea typeface="Consolas" panose="020B0609020204030204"/>
-              </a:rPr>
-              <a:t>stdio.h</a:t>
-            </a:r>
-            <a:r>
-              <a:rPr lang="en-US" altLang="zh-CN" sz="1400" b="0" dirty="0">
-                <a:solidFill>
-                  <a:schemeClr val="tx1"/>
-                </a:solidFill>
-                <a:latin typeface="Consolas" panose="020B0609020204030204"/>
-                <a:ea typeface="Consolas" panose="020B0609020204030204"/>
-              </a:rPr>
-              <a:t>&gt;   </a:t>
+              <a:t>#include&lt;stdio.h&gt;   </a:t>
             </a:r>
             <a:r>
               <a:rPr lang="en-US" altLang="zh-CN" sz="1400" b="0" dirty="0">
@@ -16313,27 +16317,7 @@
                 <a:latin typeface="Consolas" panose="020B0609020204030204"/>
                 <a:ea typeface="Consolas" panose="020B0609020204030204"/>
               </a:rPr>
-              <a:t>#include&lt;</a:t>
-            </a:r>
-            <a:r>
-              <a:rPr lang="en-US" altLang="zh-CN" sz="1400" b="0" dirty="0" err="1">
-                <a:solidFill>
-                  <a:schemeClr val="tx1"/>
-                </a:solidFill>
-                <a:latin typeface="Consolas" panose="020B0609020204030204"/>
-                <a:ea typeface="Consolas" panose="020B0609020204030204"/>
-              </a:rPr>
-              <a:t>stdlib.h</a:t>
-            </a:r>
-            <a:r>
-              <a:rPr lang="en-US" altLang="zh-CN" sz="1400" b="0" dirty="0">
-                <a:solidFill>
-                  <a:schemeClr val="tx1"/>
-                </a:solidFill>
-                <a:latin typeface="Consolas" panose="020B0609020204030204"/>
-                <a:ea typeface="Consolas" panose="020B0609020204030204"/>
-              </a:rPr>
-              <a:t>&gt;</a:t>
+              <a:t>#include&lt;stdlib.h&gt;</a:t>
             </a:r>
           </a:p>
           <a:p>
@@ -16582,7 +16566,7 @@
                 <a:latin typeface="Consolas" panose="020B0609020204030204"/>
                 <a:ea typeface="Consolas" panose="020B0609020204030204"/>
               </a:rPr>
-              <a:t>    return0;</a:t>
+              <a:t>    return 0;</a:t>
             </a:r>
           </a:p>
           <a:p>
@@ -16960,7 +16944,7 @@
                 <a:latin typeface="Consolas" panose="020B0609020204030204"/>
                 <a:ea typeface="Consolas" panose="020B0609020204030204"/>
               </a:rPr>
-              <a:t>    return0;</a:t>
+              <a:t>    return 0;</a:t>
             </a:r>
           </a:p>
           <a:p>
@@ -17008,36 +16992,36 @@
           <a:lstStyle/>
           <a:p>
             <a:r>
-              <a:rPr lang="en-US" altLang="zh-CN" b="1"/>
+              <a:rPr lang="en-US" altLang="zh-CN" b="1" dirty="0"/>
               <a:t>Memory leak</a:t>
             </a:r>
             <a:r>
-              <a:rPr lang="en-US" altLang="zh-CN"/>
+              <a:rPr lang="en-US" altLang="zh-CN" dirty="0"/>
               <a:t> refers to the waste of system memory </a:t>
             </a:r>
             <a:r>
-              <a:rPr lang="en-US" altLang="zh-CN" b="1"/>
+              <a:rPr lang="en-US" altLang="zh-CN" b="1" dirty="0"/>
               <a:t>caused by dynamically allocated heap memory</a:t>
             </a:r>
             <a:r>
-              <a:rPr lang="en-US" altLang="zh-CN"/>
+              <a:rPr lang="en-US" altLang="zh-CN" dirty="0"/>
               <a:t> in a program that is not released or cannot be released for some reason, resulting in </a:t>
             </a:r>
             <a:r>
-              <a:rPr lang="en-US" altLang="zh-CN" b="1"/>
+              <a:rPr lang="en-US" altLang="zh-CN" b="1" dirty="0"/>
               <a:t>serious consequences such as slow program running speed or even system crashes</a:t>
             </a:r>
             <a:r>
-              <a:rPr lang="en-US" altLang="zh-CN"/>
+              <a:rPr lang="en-US" altLang="zh-CN" dirty="0"/>
               <a:t>.</a:t>
             </a:r>
           </a:p>
           <a:p>
-            <a:endParaRPr lang="en-US" altLang="zh-CN"/>
-          </a:p>
-          <a:p>
-            <a:r>
-              <a:rPr lang="en-US" altLang="zh-CN"/>
+            <a:endParaRPr lang="en-US" altLang="zh-CN" dirty="0"/>
+          </a:p>
+          <a:p>
+            <a:r>
+              <a:rPr lang="en-US" altLang="zh-CN" dirty="0"/>
               <a:t>Q: Which piece(s) of code would lead to memory leak?  demo1.c, demo2.c or both ? </a:t>
             </a:r>
           </a:p>
@@ -17144,17 +17128,37 @@
               </a:spcBef>
             </a:pPr>
             <a:r>
-              <a:rPr lang="en-US" altLang="zh-CN" sz="1400" b="0">
-                <a:solidFill>
-                  <a:schemeClr val="tx1"/>
-                </a:solidFill>
-                <a:latin typeface="Consolas" panose="020B0609020204030204"/>
-                <a:ea typeface="Consolas" panose="020B0609020204030204"/>
-              </a:rPr>
-              <a:t>#include &lt;stdio.h&gt;  </a:t>
-            </a:r>
-            <a:r>
-              <a:rPr lang="en-US" altLang="zh-CN" sz="1400" b="0">
+              <a:rPr lang="en-US" altLang="zh-CN" sz="1400" b="0" dirty="0">
+                <a:solidFill>
+                  <a:schemeClr val="tx1"/>
+                </a:solidFill>
+                <a:latin typeface="Consolas" panose="020B0609020204030204"/>
+                <a:ea typeface="Consolas" panose="020B0609020204030204"/>
+              </a:rPr>
+              <a:t>#include &lt;</a:t>
+            </a:r>
+            <a:r>
+              <a:rPr lang="en-US" altLang="zh-CN" sz="1400" b="0" dirty="0" err="1">
+                <a:solidFill>
+                  <a:schemeClr val="tx1"/>
+                </a:solidFill>
+                <a:latin typeface="Consolas" panose="020B0609020204030204"/>
+                <a:ea typeface="Consolas" panose="020B0609020204030204"/>
+              </a:rPr>
+              <a:t>stdio.h</a:t>
+            </a:r>
+            <a:r>
+              <a:rPr lang="en-US" altLang="zh-CN" sz="1400" b="0" dirty="0">
+                <a:solidFill>
+                  <a:schemeClr val="tx1"/>
+                </a:solidFill>
+                <a:latin typeface="Consolas" panose="020B0609020204030204"/>
+                <a:ea typeface="Consolas" panose="020B0609020204030204"/>
+              </a:rPr>
+              <a:t>&gt;  </a:t>
+            </a:r>
+            <a:r>
+              <a:rPr lang="en-US" altLang="zh-CN" sz="1400" b="0" dirty="0">
                 <a:solidFill>
                   <a:schemeClr val="bg1">
                     <a:lumMod val="50000"/>
@@ -17165,7 +17169,7 @@
               </a:rPr>
               <a:t>//free less</a:t>
             </a:r>
-            <a:endParaRPr lang="en-US" altLang="zh-CN" sz="1400" b="0">
+            <a:endParaRPr lang="en-US" altLang="zh-CN" sz="1400" b="0" dirty="0">
               <a:solidFill>
                 <a:schemeClr val="tx1"/>
               </a:solidFill>
@@ -17183,14 +17187,34 @@
               </a:spcBef>
             </a:pPr>
             <a:r>
-              <a:rPr lang="en-US" altLang="zh-CN" sz="1400" b="0">
-                <a:solidFill>
-                  <a:schemeClr val="tx1"/>
-                </a:solidFill>
-                <a:latin typeface="Consolas" panose="020B0609020204030204"/>
-                <a:ea typeface="Consolas" panose="020B0609020204030204"/>
-              </a:rPr>
-              <a:t>#include &lt;stdlib.h&gt;</a:t>
+              <a:rPr lang="en-US" altLang="zh-CN" sz="1400" b="0" dirty="0">
+                <a:solidFill>
+                  <a:schemeClr val="tx1"/>
+                </a:solidFill>
+                <a:latin typeface="Consolas" panose="020B0609020204030204"/>
+                <a:ea typeface="Consolas" panose="020B0609020204030204"/>
+              </a:rPr>
+              <a:t>#include &lt;</a:t>
+            </a:r>
+            <a:r>
+              <a:rPr lang="en-US" altLang="zh-CN" sz="1400" b="0" dirty="0" err="1">
+                <a:solidFill>
+                  <a:schemeClr val="tx1"/>
+                </a:solidFill>
+                <a:latin typeface="Consolas" panose="020B0609020204030204"/>
+                <a:ea typeface="Consolas" panose="020B0609020204030204"/>
+              </a:rPr>
+              <a:t>stdlib.h</a:t>
+            </a:r>
+            <a:r>
+              <a:rPr lang="en-US" altLang="zh-CN" sz="1400" b="0" dirty="0">
+                <a:solidFill>
+                  <a:schemeClr val="tx1"/>
+                </a:solidFill>
+                <a:latin typeface="Consolas" panose="020B0609020204030204"/>
+                <a:ea typeface="Consolas" panose="020B0609020204030204"/>
+              </a:rPr>
+              <a:t>&gt;</a:t>
             </a:r>
           </a:p>
           <a:p>
@@ -17203,14 +17227,54 @@
               </a:spcBef>
             </a:pPr>
             <a:r>
-              <a:rPr lang="en-US" altLang="zh-CN" sz="1400" b="0">
-                <a:solidFill>
-                  <a:schemeClr val="tx1"/>
-                </a:solidFill>
-                <a:latin typeface="Consolas" panose="020B0609020204030204"/>
-                <a:ea typeface="Consolas" panose="020B0609020204030204"/>
-              </a:rPr>
-              <a:t>int main(int argc, char*argv[]){</a:t>
+              <a:rPr lang="en-US" altLang="zh-CN" sz="1400" b="0" dirty="0">
+                <a:solidFill>
+                  <a:schemeClr val="tx1"/>
+                </a:solidFill>
+                <a:latin typeface="Consolas" panose="020B0609020204030204"/>
+                <a:ea typeface="Consolas" panose="020B0609020204030204"/>
+              </a:rPr>
+              <a:t>int main(int </a:t>
+            </a:r>
+            <a:r>
+              <a:rPr lang="en-US" altLang="zh-CN" sz="1400" b="0" dirty="0" err="1">
+                <a:solidFill>
+                  <a:schemeClr val="tx1"/>
+                </a:solidFill>
+                <a:latin typeface="Consolas" panose="020B0609020204030204"/>
+                <a:ea typeface="Consolas" panose="020B0609020204030204"/>
+              </a:rPr>
+              <a:t>argc</a:t>
+            </a:r>
+            <a:r>
+              <a:rPr lang="en-US" altLang="zh-CN" sz="1400" b="0" dirty="0">
+                <a:solidFill>
+                  <a:schemeClr val="tx1"/>
+                </a:solidFill>
+                <a:latin typeface="Consolas" panose="020B0609020204030204"/>
+                <a:ea typeface="Consolas" panose="020B0609020204030204"/>
+              </a:rPr>
+              <a:t>, char*</a:t>
+            </a:r>
+            <a:r>
+              <a:rPr lang="en-US" altLang="zh-CN" sz="1400" b="0" dirty="0" err="1">
+                <a:solidFill>
+                  <a:schemeClr val="tx1"/>
+                </a:solidFill>
+                <a:latin typeface="Consolas" panose="020B0609020204030204"/>
+                <a:ea typeface="Consolas" panose="020B0609020204030204"/>
+              </a:rPr>
+              <a:t>argv</a:t>
+            </a:r>
+            <a:r>
+              <a:rPr lang="en-US" altLang="zh-CN" sz="1400" b="0" dirty="0">
+                <a:solidFill>
+                  <a:schemeClr val="tx1"/>
+                </a:solidFill>
+                <a:latin typeface="Consolas" panose="020B0609020204030204"/>
+                <a:ea typeface="Consolas" panose="020B0609020204030204"/>
+              </a:rPr>
+              <a:t>[]){</a:t>
             </a:r>
           </a:p>
           <a:p>
@@ -17223,7 +17287,7 @@
               </a:spcBef>
             </a:pPr>
             <a:r>
-              <a:rPr lang="en-US" altLang="zh-CN" sz="1400" b="0">
+              <a:rPr lang="en-US" altLang="zh-CN" sz="1400" b="0" dirty="0">
                 <a:solidFill>
                   <a:schemeClr val="tx1"/>
                 </a:solidFill>
@@ -17233,7 +17297,7 @@
               <a:t>    </a:t>
             </a:r>
             <a:r>
-              <a:rPr lang="en-US" altLang="zh-CN" sz="1400" b="0">
+              <a:rPr lang="en-US" altLang="zh-CN" sz="1400" b="0" dirty="0">
                 <a:solidFill>
                   <a:schemeClr val="tx1"/>
                 </a:solidFill>
@@ -17243,7 +17307,56 @@
                 <a:latin typeface="Consolas" panose="020B0609020204030204"/>
                 <a:ea typeface="Consolas" panose="020B0609020204030204"/>
               </a:rPr>
-              <a:t>int *p1 = malloc(sizeof(int)*1);</a:t>
+              <a:t>int *p1 = </a:t>
+            </a:r>
+            <a:r>
+              <a:rPr lang="en-US" altLang="zh-CN" sz="1400" dirty="0">
+                <a:highlight>
+                  <a:srgbClr val="FFFF00"/>
+                </a:highlight>
+                <a:latin typeface="Consolas" panose="020B0609020204030204"/>
+                <a:ea typeface="Consolas" panose="020B0609020204030204"/>
+              </a:rPr>
+              <a:t>(int *)</a:t>
+            </a:r>
+            <a:r>
+              <a:rPr lang="en-US" altLang="zh-CN" sz="1400" b="0" dirty="0">
+                <a:solidFill>
+                  <a:schemeClr val="tx1"/>
+                </a:solidFill>
+                <a:highlight>
+                  <a:srgbClr val="FFFF00"/>
+                </a:highlight>
+                <a:latin typeface="Consolas" panose="020B0609020204030204"/>
+                <a:ea typeface="Consolas" panose="020B0609020204030204"/>
+              </a:rPr>
+              <a:t>malloc(</a:t>
+            </a:r>
+            <a:r>
+              <a:rPr lang="en-US" altLang="zh-CN" sz="1400" b="0" dirty="0" err="1">
+                <a:solidFill>
+                  <a:schemeClr val="tx1"/>
+                </a:solidFill>
+                <a:highlight>
+                  <a:srgbClr val="FFFF00"/>
+                </a:highlight>
+                <a:latin typeface="Consolas" panose="020B0609020204030204"/>
+                <a:ea typeface="Consolas" panose="020B0609020204030204"/>
+              </a:rPr>
+              <a:t>sizeof</a:t>
+            </a:r>
+            <a:r>
+              <a:rPr lang="en-US" altLang="zh-CN" sz="1400" b="0" dirty="0">
+                <a:solidFill>
+                  <a:schemeClr val="tx1"/>
+                </a:solidFill>
+                <a:highlight>
+                  <a:srgbClr val="FFFF00"/>
+                </a:highlight>
+                <a:latin typeface="Consolas" panose="020B0609020204030204"/>
+                <a:ea typeface="Consolas" panose="020B0609020204030204"/>
+              </a:rPr>
+              <a:t>(int)*1);</a:t>
             </a:r>
           </a:p>
           <a:p>
@@ -17256,7 +17369,7 @@
               </a:spcBef>
             </a:pPr>
             <a:r>
-              <a:rPr lang="en-US" altLang="zh-CN" sz="1400" b="0">
+              <a:rPr lang="en-US" altLang="zh-CN" sz="1400" b="0" dirty="0">
                 <a:solidFill>
                   <a:schemeClr val="tx1"/>
                 </a:solidFill>
@@ -17266,7 +17379,7 @@
               <a:t>    </a:t>
             </a:r>
             <a:r>
-              <a:rPr lang="en-US" altLang="zh-CN" sz="1400" b="0">
+              <a:rPr lang="en-US" altLang="zh-CN" sz="1400" b="0" dirty="0">
                 <a:solidFill>
                   <a:schemeClr val="tx1"/>
                 </a:solidFill>
@@ -17276,9 +17389,58 @@
                 <a:latin typeface="Consolas" panose="020B0609020204030204"/>
                 <a:ea typeface="Consolas" panose="020B0609020204030204"/>
               </a:rPr>
-              <a:t>int *p2 = malloc(sizeof(int)*1);</a:t>
-            </a:r>
-            <a:endParaRPr lang="en-US" altLang="zh-CN" sz="1400" b="0">
+              <a:t>int *p2 = </a:t>
+            </a:r>
+            <a:r>
+              <a:rPr lang="en-US" altLang="zh-CN" sz="1400" dirty="0">
+                <a:highlight>
+                  <a:srgbClr val="FFFF00"/>
+                </a:highlight>
+                <a:latin typeface="Consolas" panose="020B0609020204030204"/>
+                <a:ea typeface="Consolas" panose="020B0609020204030204"/>
+              </a:rPr>
+              <a:t>(int *)</a:t>
+            </a:r>
+            <a:r>
+              <a:rPr lang="en-US" altLang="zh-CN" sz="1400" b="0" dirty="0">
+                <a:solidFill>
+                  <a:schemeClr val="tx1"/>
+                </a:solidFill>
+                <a:highlight>
+                  <a:srgbClr val="FFFF00"/>
+                </a:highlight>
+                <a:latin typeface="Consolas" panose="020B0609020204030204"/>
+                <a:ea typeface="Consolas" panose="020B0609020204030204"/>
+              </a:rPr>
+              <a:t>malloc(</a:t>
+            </a:r>
+            <a:r>
+              <a:rPr lang="en-US" altLang="zh-CN" sz="1400" b="0" dirty="0" err="1">
+                <a:solidFill>
+                  <a:schemeClr val="tx1"/>
+                </a:solidFill>
+                <a:highlight>
+                  <a:srgbClr val="FFFF00"/>
+                </a:highlight>
+                <a:latin typeface="Consolas" panose="020B0609020204030204"/>
+                <a:ea typeface="Consolas" panose="020B0609020204030204"/>
+              </a:rPr>
+              <a:t>sizeof</a:t>
+            </a:r>
+            <a:r>
+              <a:rPr lang="en-US" altLang="zh-CN" sz="1400" b="0" dirty="0">
+                <a:solidFill>
+                  <a:schemeClr val="tx1"/>
+                </a:solidFill>
+                <a:highlight>
+                  <a:srgbClr val="FFFF00"/>
+                </a:highlight>
+                <a:latin typeface="Consolas" panose="020B0609020204030204"/>
+                <a:ea typeface="Consolas" panose="020B0609020204030204"/>
+              </a:rPr>
+              <a:t>(int)*1);</a:t>
+            </a:r>
+            <a:endParaRPr lang="en-US" altLang="zh-CN" sz="1400" b="0" dirty="0">
               <a:solidFill>
                 <a:schemeClr val="tx1"/>
               </a:solidFill>
@@ -17296,7 +17458,7 @@
               </a:spcBef>
             </a:pPr>
             <a:r>
-              <a:rPr lang="en-US" altLang="zh-CN" sz="1400" b="0">
+              <a:rPr lang="en-US" altLang="zh-CN" sz="1400" b="0" dirty="0">
                 <a:solidFill>
                   <a:schemeClr val="tx1"/>
                 </a:solidFill>
@@ -17316,7 +17478,7 @@
               </a:spcBef>
             </a:pPr>
             <a:r>
-              <a:rPr lang="en-US" altLang="zh-CN" sz="1400" b="0">
+              <a:rPr lang="en-US" altLang="zh-CN" sz="1400" b="0" dirty="0">
                 <a:solidFill>
                   <a:schemeClr val="tx1"/>
                 </a:solidFill>
@@ -17336,15 +17498,52 @@
               </a:spcBef>
             </a:pPr>
             <a:r>
-              <a:rPr lang="en-US" altLang="zh-CN" sz="1400" b="0">
-                <a:solidFill>
-                  <a:schemeClr val="tx1"/>
-                </a:solidFill>
-                <a:latin typeface="Consolas" panose="020B0609020204030204"/>
-                <a:ea typeface="Consolas" panose="020B0609020204030204"/>
-              </a:rPr>
-              <a:t>    printf("p1:%p\tdata:0x%x\n</a:t>
-            </a:r>
+              <a:rPr lang="en-US" altLang="zh-CN" sz="1400" b="0" dirty="0">
+                <a:solidFill>
+                  <a:schemeClr val="tx1"/>
+                </a:solidFill>
+                <a:latin typeface="Consolas" panose="020B0609020204030204"/>
+                <a:ea typeface="Consolas" panose="020B0609020204030204"/>
+              </a:rPr>
+              <a:t>    </a:t>
+            </a:r>
+            <a:r>
+              <a:rPr lang="en-US" altLang="zh-CN" sz="1400" b="0" dirty="0" err="1">
+                <a:solidFill>
+                  <a:schemeClr val="tx1"/>
+                </a:solidFill>
+                <a:latin typeface="Consolas" panose="020B0609020204030204"/>
+                <a:ea typeface="Consolas" panose="020B0609020204030204"/>
+              </a:rPr>
+              <a:t>printf</a:t>
+            </a:r>
+            <a:r>
+              <a:rPr lang="en-US" altLang="zh-CN" sz="1400" b="0" dirty="0">
+                <a:solidFill>
+                  <a:schemeClr val="tx1"/>
+                </a:solidFill>
+                <a:latin typeface="Consolas" panose="020B0609020204030204"/>
+                <a:ea typeface="Consolas" panose="020B0609020204030204"/>
+              </a:rPr>
+              <a:t>(“p1:%p\tdata:0x%x\n"</a:t>
+            </a:r>
+            <a:r>
+              <a:rPr lang="zh-CN" altLang="en-US" sz="1400" b="0" dirty="0">
+                <a:solidFill>
+                  <a:schemeClr val="tx1"/>
+                </a:solidFill>
+                <a:latin typeface="Consolas" panose="020B0609020204030204"/>
+                <a:ea typeface="Consolas" panose="020B0609020204030204"/>
+              </a:rPr>
+              <a:t> </a:t>
+            </a:r>
+            <a:endParaRPr lang="en-US" altLang="zh-CN" sz="1400" b="0" dirty="0">
+              <a:solidFill>
+                <a:schemeClr val="tx1"/>
+              </a:solidFill>
+              <a:latin typeface="Consolas" panose="020B0609020204030204"/>
+              <a:ea typeface="Consolas" panose="020B0609020204030204"/>
+            </a:endParaRPr>
           </a:p>
           <a:p>
             <a:pPr indent="0" fontAlgn="auto">
@@ -17356,7 +17555,7 @@
               </a:spcBef>
             </a:pPr>
             <a:r>
-              <a:rPr lang="en-US" altLang="zh-CN" sz="1400" b="0">
+              <a:rPr lang="en-US" altLang="zh-CN" sz="1400" b="0" dirty="0">
                 <a:solidFill>
                   <a:schemeClr val="tx1"/>
                 </a:solidFill>
@@ -17376,7 +17575,7 @@
               </a:spcBef>
             </a:pPr>
             <a:r>
-              <a:rPr lang="en-US" altLang="zh-CN" sz="1400" b="0">
+              <a:rPr lang="en-US" altLang="zh-CN" sz="1400" b="0" dirty="0">
                 <a:solidFill>
                   <a:schemeClr val="tx1"/>
                 </a:solidFill>
@@ -17386,7 +17585,7 @@
               <a:t>    </a:t>
             </a:r>
             <a:r>
-              <a:rPr lang="en-US" altLang="zh-CN" sz="1400" b="0">
+              <a:rPr lang="en-US" altLang="zh-CN" sz="1400" b="0" dirty="0">
                 <a:solidFill>
                   <a:schemeClr val="tx1"/>
                 </a:solidFill>
@@ -17409,7 +17608,7 @@
               </a:spcBef>
             </a:pPr>
             <a:r>
-              <a:rPr lang="en-US" altLang="zh-CN" sz="1400" b="0">
+              <a:rPr lang="en-US" altLang="zh-CN" sz="1400" b="0" dirty="0">
                 <a:solidFill>
                   <a:schemeClr val="tx1"/>
                 </a:solidFill>
@@ -17429,7 +17628,7 @@
               </a:spcBef>
             </a:pPr>
             <a:r>
-              <a:rPr lang="en-US" altLang="zh-CN" sz="1400" b="0">
+              <a:rPr lang="en-US" altLang="zh-CN" sz="1400" b="0" dirty="0">
                 <a:solidFill>
                   <a:schemeClr val="tx1"/>
                 </a:solidFill>
@@ -17477,17 +17676,37 @@
               </a:spcBef>
             </a:pPr>
             <a:r>
-              <a:rPr lang="en-US" altLang="zh-CN" sz="1400" b="0">
-                <a:solidFill>
-                  <a:schemeClr val="tx1"/>
-                </a:solidFill>
-                <a:latin typeface="Consolas" panose="020B0609020204030204"/>
-                <a:ea typeface="Consolas" panose="020B0609020204030204"/>
-              </a:rPr>
-              <a:t>#include &lt;stdio.h&gt;    </a:t>
-            </a:r>
-            <a:r>
-              <a:rPr lang="en-US" altLang="zh-CN" sz="1400">
+              <a:rPr lang="en-US" altLang="zh-CN" sz="1400" b="0" dirty="0">
+                <a:solidFill>
+                  <a:schemeClr val="tx1"/>
+                </a:solidFill>
+                <a:latin typeface="Consolas" panose="020B0609020204030204"/>
+                <a:ea typeface="Consolas" panose="020B0609020204030204"/>
+              </a:rPr>
+              <a:t>#include &lt;</a:t>
+            </a:r>
+            <a:r>
+              <a:rPr lang="en-US" altLang="zh-CN" sz="1400" b="0" dirty="0" err="1">
+                <a:solidFill>
+                  <a:schemeClr val="tx1"/>
+                </a:solidFill>
+                <a:latin typeface="Consolas" panose="020B0609020204030204"/>
+                <a:ea typeface="Consolas" panose="020B0609020204030204"/>
+              </a:rPr>
+              <a:t>stdio.h</a:t>
+            </a:r>
+            <a:r>
+              <a:rPr lang="en-US" altLang="zh-CN" sz="1400" b="0" dirty="0">
+                <a:solidFill>
+                  <a:schemeClr val="tx1"/>
+                </a:solidFill>
+                <a:latin typeface="Consolas" panose="020B0609020204030204"/>
+                <a:ea typeface="Consolas" panose="020B0609020204030204"/>
+              </a:rPr>
+              <a:t>&gt;    </a:t>
+            </a:r>
+            <a:r>
+              <a:rPr lang="en-US" altLang="zh-CN" sz="1400" dirty="0">
                 <a:solidFill>
                   <a:schemeClr val="bg1">
                     <a:lumMod val="50000"/>
@@ -17499,7 +17718,7 @@
               </a:rPr>
               <a:t>//free more</a:t>
             </a:r>
-            <a:endParaRPr lang="en-US" altLang="zh-CN" sz="1400" b="0">
+            <a:endParaRPr lang="en-US" altLang="zh-CN" sz="1400" b="0" dirty="0">
               <a:solidFill>
                 <a:schemeClr val="tx1"/>
               </a:solidFill>
@@ -17517,14 +17736,34 @@
               </a:spcBef>
             </a:pPr>
             <a:r>
-              <a:rPr lang="en-US" altLang="zh-CN" sz="1400" b="0">
-                <a:solidFill>
-                  <a:schemeClr val="tx1"/>
-                </a:solidFill>
-                <a:latin typeface="Consolas" panose="020B0609020204030204"/>
-                <a:ea typeface="Consolas" panose="020B0609020204030204"/>
-              </a:rPr>
-              <a:t>#include &lt;stdlib.h&gt;</a:t>
+              <a:rPr lang="en-US" altLang="zh-CN" sz="1400" b="0" dirty="0">
+                <a:solidFill>
+                  <a:schemeClr val="tx1"/>
+                </a:solidFill>
+                <a:latin typeface="Consolas" panose="020B0609020204030204"/>
+                <a:ea typeface="Consolas" panose="020B0609020204030204"/>
+              </a:rPr>
+              <a:t>#include &lt;</a:t>
+            </a:r>
+            <a:r>
+              <a:rPr lang="en-US" altLang="zh-CN" sz="1400" b="0" dirty="0" err="1">
+                <a:solidFill>
+                  <a:schemeClr val="tx1"/>
+                </a:solidFill>
+                <a:latin typeface="Consolas" panose="020B0609020204030204"/>
+                <a:ea typeface="Consolas" panose="020B0609020204030204"/>
+              </a:rPr>
+              <a:t>stdlib.h</a:t>
+            </a:r>
+            <a:r>
+              <a:rPr lang="en-US" altLang="zh-CN" sz="1400" b="0" dirty="0">
+                <a:solidFill>
+                  <a:schemeClr val="tx1"/>
+                </a:solidFill>
+                <a:latin typeface="Consolas" panose="020B0609020204030204"/>
+                <a:ea typeface="Consolas" panose="020B0609020204030204"/>
+              </a:rPr>
+              <a:t>&gt;</a:t>
             </a:r>
           </a:p>
           <a:p>
@@ -17537,14 +17776,54 @@
               </a:spcBef>
             </a:pPr>
             <a:r>
-              <a:rPr lang="en-US" altLang="zh-CN" sz="1400" b="0">
-                <a:solidFill>
-                  <a:schemeClr val="tx1"/>
-                </a:solidFill>
-                <a:latin typeface="Consolas" panose="020B0609020204030204"/>
-                <a:ea typeface="Consolas" panose="020B0609020204030204"/>
-              </a:rPr>
-              <a:t>int main(int argc, char*argv[]){</a:t>
+              <a:rPr lang="en-US" altLang="zh-CN" sz="1400" b="0" dirty="0">
+                <a:solidFill>
+                  <a:schemeClr val="tx1"/>
+                </a:solidFill>
+                <a:latin typeface="Consolas" panose="020B0609020204030204"/>
+                <a:ea typeface="Consolas" panose="020B0609020204030204"/>
+              </a:rPr>
+              <a:t>int main(int </a:t>
+            </a:r>
+            <a:r>
+              <a:rPr lang="en-US" altLang="zh-CN" sz="1400" b="0" dirty="0" err="1">
+                <a:solidFill>
+                  <a:schemeClr val="tx1"/>
+                </a:solidFill>
+                <a:latin typeface="Consolas" panose="020B0609020204030204"/>
+                <a:ea typeface="Consolas" panose="020B0609020204030204"/>
+              </a:rPr>
+              <a:t>argc</a:t>
+            </a:r>
+            <a:r>
+              <a:rPr lang="en-US" altLang="zh-CN" sz="1400" b="0" dirty="0">
+                <a:solidFill>
+                  <a:schemeClr val="tx1"/>
+                </a:solidFill>
+                <a:latin typeface="Consolas" panose="020B0609020204030204"/>
+                <a:ea typeface="Consolas" panose="020B0609020204030204"/>
+              </a:rPr>
+              <a:t>, char*</a:t>
+            </a:r>
+            <a:r>
+              <a:rPr lang="en-US" altLang="zh-CN" sz="1400" b="0" dirty="0" err="1">
+                <a:solidFill>
+                  <a:schemeClr val="tx1"/>
+                </a:solidFill>
+                <a:latin typeface="Consolas" panose="020B0609020204030204"/>
+                <a:ea typeface="Consolas" panose="020B0609020204030204"/>
+              </a:rPr>
+              <a:t>argv</a:t>
+            </a:r>
+            <a:r>
+              <a:rPr lang="en-US" altLang="zh-CN" sz="1400" b="0" dirty="0">
+                <a:solidFill>
+                  <a:schemeClr val="tx1"/>
+                </a:solidFill>
+                <a:latin typeface="Consolas" panose="020B0609020204030204"/>
+                <a:ea typeface="Consolas" panose="020B0609020204030204"/>
+              </a:rPr>
+              <a:t>[]){</a:t>
             </a:r>
           </a:p>
           <a:p>
@@ -17557,7 +17836,7 @@
               </a:spcBef>
             </a:pPr>
             <a:r>
-              <a:rPr lang="en-US" altLang="zh-CN" sz="1400" b="0">
+              <a:rPr lang="en-US" altLang="zh-CN" sz="1400" b="0" dirty="0">
                 <a:solidFill>
                   <a:schemeClr val="tx1"/>
                 </a:solidFill>
@@ -17567,7 +17846,7 @@
               <a:t>    </a:t>
             </a:r>
             <a:r>
-              <a:rPr lang="en-US" altLang="zh-CN" sz="1400" b="0">
+              <a:rPr lang="en-US" altLang="zh-CN" sz="1400" b="0" dirty="0">
                 <a:solidFill>
                   <a:schemeClr val="tx1"/>
                 </a:solidFill>
@@ -17577,9 +17856,58 @@
                 <a:latin typeface="Consolas" panose="020B0609020204030204"/>
                 <a:ea typeface="Consolas" panose="020B0609020204030204"/>
               </a:rPr>
-              <a:t>int *p1 = malloc(sizeof(int)*1);</a:t>
-            </a:r>
-            <a:endParaRPr lang="en-US" altLang="zh-CN" sz="1400" b="0">
+              <a:t>int *p1 = </a:t>
+            </a:r>
+            <a:r>
+              <a:rPr lang="en-US" altLang="zh-CN" sz="1400" dirty="0">
+                <a:highlight>
+                  <a:srgbClr val="FFFF00"/>
+                </a:highlight>
+                <a:latin typeface="Consolas" panose="020B0609020204030204"/>
+                <a:ea typeface="Consolas" panose="020B0609020204030204"/>
+              </a:rPr>
+              <a:t>(int *) </a:t>
+            </a:r>
+            <a:r>
+              <a:rPr lang="en-US" altLang="zh-CN" sz="1400" b="0" dirty="0">
+                <a:solidFill>
+                  <a:schemeClr val="tx1"/>
+                </a:solidFill>
+                <a:highlight>
+                  <a:srgbClr val="FFFF00"/>
+                </a:highlight>
+                <a:latin typeface="Consolas" panose="020B0609020204030204"/>
+                <a:ea typeface="Consolas" panose="020B0609020204030204"/>
+              </a:rPr>
+              <a:t>malloc(</a:t>
+            </a:r>
+            <a:r>
+              <a:rPr lang="en-US" altLang="zh-CN" sz="1400" b="0" dirty="0" err="1">
+                <a:solidFill>
+                  <a:schemeClr val="tx1"/>
+                </a:solidFill>
+                <a:highlight>
+                  <a:srgbClr val="FFFF00"/>
+                </a:highlight>
+                <a:latin typeface="Consolas" panose="020B0609020204030204"/>
+                <a:ea typeface="Consolas" panose="020B0609020204030204"/>
+              </a:rPr>
+              <a:t>sizeof</a:t>
+            </a:r>
+            <a:r>
+              <a:rPr lang="en-US" altLang="zh-CN" sz="1400" b="0" dirty="0">
+                <a:solidFill>
+                  <a:schemeClr val="tx1"/>
+                </a:solidFill>
+                <a:highlight>
+                  <a:srgbClr val="FFFF00"/>
+                </a:highlight>
+                <a:latin typeface="Consolas" panose="020B0609020204030204"/>
+                <a:ea typeface="Consolas" panose="020B0609020204030204"/>
+              </a:rPr>
+              <a:t>(int)*1);</a:t>
+            </a:r>
+            <a:endParaRPr lang="en-US" altLang="zh-CN" sz="1400" b="0" dirty="0">
               <a:solidFill>
                 <a:schemeClr val="tx1"/>
               </a:solidFill>
@@ -17597,7 +17925,7 @@
               </a:spcBef>
             </a:pPr>
             <a:r>
-              <a:rPr lang="en-US" altLang="zh-CN" sz="1400" b="0">
+              <a:rPr lang="en-US" altLang="zh-CN" sz="1400" b="0" dirty="0">
                 <a:solidFill>
                   <a:schemeClr val="tx1"/>
                 </a:solidFill>
@@ -17617,7 +17945,7 @@
               </a:spcBef>
             </a:pPr>
             <a:r>
-              <a:rPr lang="en-US" altLang="zh-CN" sz="1400" b="0">
+              <a:rPr lang="en-US" altLang="zh-CN" sz="1400" b="0" dirty="0">
                 <a:solidFill>
                   <a:schemeClr val="tx1"/>
                 </a:solidFill>
@@ -17627,7 +17955,7 @@
               <a:t>    </a:t>
             </a:r>
             <a:r>
-              <a:rPr lang="en-US" altLang="zh-CN" sz="1400" b="0">
+              <a:rPr lang="en-US" altLang="zh-CN" sz="1400" b="0" dirty="0">
                 <a:solidFill>
                   <a:schemeClr val="tx1"/>
                 </a:solidFill>
@@ -17639,7 +17967,7 @@
               </a:rPr>
               <a:t>int *p2 = p1;</a:t>
             </a:r>
-            <a:endParaRPr lang="en-US" altLang="zh-CN" sz="1400" b="0">
+            <a:endParaRPr lang="en-US" altLang="zh-CN" sz="1400" b="0" dirty="0">
               <a:solidFill>
                 <a:schemeClr val="tx1"/>
               </a:solidFill>
@@ -17657,14 +17985,34 @@
               </a:spcBef>
             </a:pPr>
             <a:r>
-              <a:rPr lang="en-US" altLang="zh-CN" sz="1400" b="0">
-                <a:solidFill>
-                  <a:schemeClr val="tx1"/>
-                </a:solidFill>
-                <a:latin typeface="Consolas" panose="020B0609020204030204"/>
-                <a:ea typeface="Consolas" panose="020B0609020204030204"/>
-              </a:rPr>
-              <a:t>    printf("p1:%p\tdata:0x%x\n</a:t>
+              <a:rPr lang="en-US" altLang="zh-CN" sz="1400" b="0" dirty="0">
+                <a:solidFill>
+                  <a:schemeClr val="tx1"/>
+                </a:solidFill>
+                <a:latin typeface="Consolas" panose="020B0609020204030204"/>
+                <a:ea typeface="Consolas" panose="020B0609020204030204"/>
+              </a:rPr>
+              <a:t>    </a:t>
+            </a:r>
+            <a:r>
+              <a:rPr lang="en-US" altLang="zh-CN" sz="1400" b="0" dirty="0" err="1">
+                <a:solidFill>
+                  <a:schemeClr val="tx1"/>
+                </a:solidFill>
+                <a:latin typeface="Consolas" panose="020B0609020204030204"/>
+                <a:ea typeface="Consolas" panose="020B0609020204030204"/>
+              </a:rPr>
+              <a:t>printf</a:t>
+            </a:r>
+            <a:r>
+              <a:rPr lang="en-US" altLang="zh-CN" sz="1400" b="0" dirty="0">
+                <a:solidFill>
+                  <a:schemeClr val="tx1"/>
+                </a:solidFill>
+                <a:latin typeface="Consolas" panose="020B0609020204030204"/>
+                <a:ea typeface="Consolas" panose="020B0609020204030204"/>
+              </a:rPr>
+              <a:t>("p1:%p\tdata:0x%x\n</a:t>
             </a:r>
           </a:p>
           <a:p>
@@ -17677,7 +18025,7 @@
               </a:spcBef>
             </a:pPr>
             <a:r>
-              <a:rPr lang="en-US" altLang="zh-CN" sz="1400" b="0">
+              <a:rPr lang="en-US" altLang="zh-CN" sz="1400" b="0" dirty="0">
                 <a:solidFill>
                   <a:schemeClr val="tx1"/>
                 </a:solidFill>
@@ -17697,7 +18045,7 @@
               </a:spcBef>
             </a:pPr>
             <a:r>
-              <a:rPr lang="en-US" altLang="zh-CN" sz="1400" b="0">
+              <a:rPr lang="en-US" altLang="zh-CN" sz="1400" b="0" dirty="0">
                 <a:solidFill>
                   <a:schemeClr val="tx1"/>
                 </a:solidFill>
@@ -17707,7 +18055,7 @@
               <a:t>    </a:t>
             </a:r>
             <a:r>
-              <a:rPr lang="en-US" altLang="zh-CN" sz="1400" b="0">
+              <a:rPr lang="en-US" altLang="zh-CN" sz="1400" b="0" dirty="0">
                 <a:solidFill>
                   <a:schemeClr val="tx1"/>
                 </a:solidFill>
@@ -17719,7 +18067,7 @@
               </a:rPr>
               <a:t>free(p1);</a:t>
             </a:r>
-            <a:endParaRPr lang="en-US" altLang="zh-CN" sz="1400" b="0">
+            <a:endParaRPr lang="en-US" altLang="zh-CN" sz="1400" b="0" dirty="0">
               <a:solidFill>
                 <a:schemeClr val="tx1"/>
               </a:solidFill>
@@ -17737,7 +18085,7 @@
               </a:spcBef>
             </a:pPr>
             <a:r>
-              <a:rPr lang="en-US" altLang="zh-CN" sz="1400" b="0">
+              <a:rPr lang="en-US" altLang="zh-CN" sz="1400" b="0" dirty="0">
                 <a:solidFill>
                   <a:schemeClr val="tx1"/>
                 </a:solidFill>
@@ -17747,7 +18095,7 @@
               <a:t>    </a:t>
             </a:r>
             <a:r>
-              <a:rPr lang="en-US" altLang="zh-CN" sz="1400" b="0">
+              <a:rPr lang="en-US" altLang="zh-CN" sz="1400" b="0" dirty="0">
                 <a:solidFill>
                   <a:schemeClr val="tx1"/>
                 </a:solidFill>
@@ -17759,7 +18107,7 @@
               </a:rPr>
               <a:t>free(p2);</a:t>
             </a:r>
-            <a:endParaRPr lang="en-US" altLang="zh-CN" sz="1400" b="0">
+            <a:endParaRPr lang="en-US" altLang="zh-CN" sz="1400" b="0" dirty="0">
               <a:solidFill>
                 <a:schemeClr val="tx1"/>
               </a:solidFill>
@@ -17777,7 +18125,7 @@
               </a:spcBef>
             </a:pPr>
             <a:r>
-              <a:rPr lang="en-US" altLang="zh-CN" sz="1400" b="0">
+              <a:rPr lang="en-US" altLang="zh-CN" sz="1400" b="0" dirty="0">
                 <a:solidFill>
                   <a:schemeClr val="tx1"/>
                 </a:solidFill>
@@ -17797,7 +18145,7 @@
               </a:spcBef>
             </a:pPr>
             <a:r>
-              <a:rPr lang="en-US" altLang="zh-CN" sz="1400" b="0">
+              <a:rPr lang="en-US" altLang="zh-CN" sz="1400" b="0" dirty="0">
                 <a:solidFill>
                   <a:schemeClr val="tx1"/>
                 </a:solidFill>
@@ -17880,7 +18228,7 @@
           <a:lstStyle/>
           <a:p>
             <a:r>
-              <a:rPr lang="en-US" altLang="zh-CN"/>
+              <a:rPr lang="en-US" altLang="zh-CN" dirty="0"/>
               <a:t>Q. Which piece of code would lead to memory leak, which piece of code would lead to  program abort with error?</a:t>
             </a:r>
           </a:p>
@@ -17927,13 +18275,13 @@
           <a:lstStyle/>
           <a:p>
             <a:r>
-              <a:rPr lang="en-US">
+              <a:rPr lang="en-US" dirty="0">
                 <a:sym typeface="+mn-ea"/>
               </a:rPr>
               <a:t>DON’TS : 4. free stack</a:t>
             </a:r>
             <a:r>
-              <a:rPr lang="en-US" altLang="zh-CN">
+              <a:rPr lang="en-US" altLang="zh-CN" dirty="0">
                 <a:sym typeface="+mn-ea"/>
               </a:rPr>
               <a:t> </a:t>
